--- a/docs/mobisys-2014/figures/meddle-diagram.pptx
+++ b/docs/mobisys-2014/figures/meddle-diagram.pptx
@@ -288,7 +288,7 @@
           <a:p>
             <a:fld id="{EA586E3F-FD1D-6545-AD07-F24E8DF04770}" type="datetimeFigureOut">
               <a:rPr lang="en-US" smtClean="0"/>
-              <a:t>11/27/13</a:t>
+              <a:t>12/6/13</a:t>
             </a:fld>
             <a:endParaRPr lang="en-US"/>
           </a:p>
@@ -458,7 +458,7 @@
           <a:p>
             <a:fld id="{EA586E3F-FD1D-6545-AD07-F24E8DF04770}" type="datetimeFigureOut">
               <a:rPr lang="en-US" smtClean="0"/>
-              <a:t>11/27/13</a:t>
+              <a:t>12/6/13</a:t>
             </a:fld>
             <a:endParaRPr lang="en-US"/>
           </a:p>
@@ -638,7 +638,7 @@
           <a:p>
             <a:fld id="{EA586E3F-FD1D-6545-AD07-F24E8DF04770}" type="datetimeFigureOut">
               <a:rPr lang="en-US" smtClean="0"/>
-              <a:t>11/27/13</a:t>
+              <a:t>12/6/13</a:t>
             </a:fld>
             <a:endParaRPr lang="en-US"/>
           </a:p>
@@ -808,7 +808,7 @@
           <a:p>
             <a:fld id="{EA586E3F-FD1D-6545-AD07-F24E8DF04770}" type="datetimeFigureOut">
               <a:rPr lang="en-US" smtClean="0"/>
-              <a:t>11/27/13</a:t>
+              <a:t>12/6/13</a:t>
             </a:fld>
             <a:endParaRPr lang="en-US"/>
           </a:p>
@@ -1054,7 +1054,7 @@
           <a:p>
             <a:fld id="{EA586E3F-FD1D-6545-AD07-F24E8DF04770}" type="datetimeFigureOut">
               <a:rPr lang="en-US" smtClean="0"/>
-              <a:t>11/27/13</a:t>
+              <a:t>12/6/13</a:t>
             </a:fld>
             <a:endParaRPr lang="en-US"/>
           </a:p>
@@ -1342,7 +1342,7 @@
           <a:p>
             <a:fld id="{EA586E3F-FD1D-6545-AD07-F24E8DF04770}" type="datetimeFigureOut">
               <a:rPr lang="en-US" smtClean="0"/>
-              <a:t>11/27/13</a:t>
+              <a:t>12/6/13</a:t>
             </a:fld>
             <a:endParaRPr lang="en-US"/>
           </a:p>
@@ -1764,7 +1764,7 @@
           <a:p>
             <a:fld id="{EA586E3F-FD1D-6545-AD07-F24E8DF04770}" type="datetimeFigureOut">
               <a:rPr lang="en-US" smtClean="0"/>
-              <a:t>11/27/13</a:t>
+              <a:t>12/6/13</a:t>
             </a:fld>
             <a:endParaRPr lang="en-US"/>
           </a:p>
@@ -1882,7 +1882,7 @@
           <a:p>
             <a:fld id="{EA586E3F-FD1D-6545-AD07-F24E8DF04770}" type="datetimeFigureOut">
               <a:rPr lang="en-US" smtClean="0"/>
-              <a:t>11/27/13</a:t>
+              <a:t>12/6/13</a:t>
             </a:fld>
             <a:endParaRPr lang="en-US"/>
           </a:p>
@@ -1977,7 +1977,7 @@
           <a:p>
             <a:fld id="{EA586E3F-FD1D-6545-AD07-F24E8DF04770}" type="datetimeFigureOut">
               <a:rPr lang="en-US" smtClean="0"/>
-              <a:t>11/27/13</a:t>
+              <a:t>12/6/13</a:t>
             </a:fld>
             <a:endParaRPr lang="en-US"/>
           </a:p>
@@ -2254,7 +2254,7 @@
           <a:p>
             <a:fld id="{EA586E3F-FD1D-6545-AD07-F24E8DF04770}" type="datetimeFigureOut">
               <a:rPr lang="en-US" smtClean="0"/>
-              <a:t>11/27/13</a:t>
+              <a:t>12/6/13</a:t>
             </a:fld>
             <a:endParaRPr lang="en-US"/>
           </a:p>
@@ -2507,7 +2507,7 @@
           <a:p>
             <a:fld id="{EA586E3F-FD1D-6545-AD07-F24E8DF04770}" type="datetimeFigureOut">
               <a:rPr lang="en-US" smtClean="0"/>
-              <a:t>11/27/13</a:t>
+              <a:t>12/6/13</a:t>
             </a:fld>
             <a:endParaRPr lang="en-US"/>
           </a:p>
@@ -2720,7 +2720,7 @@
           <a:p>
             <a:fld id="{EA586E3F-FD1D-6545-AD07-F24E8DF04770}" type="datetimeFigureOut">
               <a:rPr lang="en-US" smtClean="0"/>
-              <a:t>11/27/13</a:t>
+              <a:t>12/6/13</a:t>
             </a:fld>
             <a:endParaRPr lang="en-US"/>
           </a:p>
@@ -3154,7 +3154,7 @@
         </p:blipFill>
         <p:spPr>
           <a:xfrm>
-            <a:off x="2700687" y="351337"/>
+            <a:off x="3118380" y="901787"/>
             <a:ext cx="559406" cy="827148"/>
           </a:xfrm>
           <a:prstGeom prst="rect">
@@ -3184,7 +3184,7 @@
         </p:blipFill>
         <p:spPr>
           <a:xfrm>
-            <a:off x="4866864" y="100553"/>
+            <a:off x="5188362" y="583756"/>
             <a:ext cx="988550" cy="1214808"/>
           </a:xfrm>
           <a:prstGeom prst="rect">
@@ -3270,116 +3270,6 @@
       </p:sp>
       <p:sp>
         <p:nvSpPr>
-          <p:cNvPr id="24" name="Cloud 23"/>
-          <p:cNvSpPr/>
-          <p:nvPr/>
-        </p:nvSpPr>
-        <p:spPr>
-          <a:xfrm>
-            <a:off x="3265729" y="5781305"/>
-            <a:ext cx="2095410" cy="1018255"/>
-          </a:xfrm>
-          <a:prstGeom prst="cloud">
-            <a:avLst/>
-          </a:prstGeom>
-        </p:spPr>
-        <p:style>
-          <a:lnRef idx="2">
-            <a:schemeClr val="dk1"/>
-          </a:lnRef>
-          <a:fillRef idx="1">
-            <a:schemeClr val="lt1"/>
-          </a:fillRef>
-          <a:effectRef idx="0">
-            <a:schemeClr val="dk1"/>
-          </a:effectRef>
-          <a:fontRef idx="minor">
-            <a:schemeClr val="dk1"/>
-          </a:fontRef>
-        </p:style>
-        <p:txBody>
-          <a:bodyPr rtlCol="0" anchor="ctr"/>
-          <a:lstStyle/>
-          <a:p>
-            <a:pPr algn="ctr"/>
-            <a:r>
-              <a:rPr lang="en-US" dirty="0" smtClean="0"/>
-              <a:t>Internet</a:t>
-            </a:r>
-            <a:endParaRPr lang="en-US" dirty="0"/>
-          </a:p>
-        </p:txBody>
-      </p:sp>
-      <p:cxnSp>
-        <p:nvCxnSpPr>
-          <p:cNvPr id="26" name="Straight Arrow Connector 25"/>
-          <p:cNvCxnSpPr/>
-          <p:nvPr/>
-        </p:nvCxnSpPr>
-        <p:spPr>
-          <a:xfrm>
-            <a:off x="3208838" y="1065746"/>
-            <a:ext cx="753823" cy="955158"/>
-          </a:xfrm>
-          <a:prstGeom prst="straightConnector1">
-            <a:avLst/>
-          </a:prstGeom>
-          <a:ln>
-            <a:tailEnd type="arrow"/>
-          </a:ln>
-        </p:spPr>
-        <p:style>
-          <a:lnRef idx="2">
-            <a:schemeClr val="dk1"/>
-          </a:lnRef>
-          <a:fillRef idx="0">
-            <a:schemeClr val="dk1"/>
-          </a:fillRef>
-          <a:effectRef idx="1">
-            <a:schemeClr val="dk1"/>
-          </a:effectRef>
-          <a:fontRef idx="minor">
-            <a:schemeClr val="tx1"/>
-          </a:fontRef>
-        </p:style>
-      </p:cxnSp>
-      <p:cxnSp>
-        <p:nvCxnSpPr>
-          <p:cNvPr id="27" name="Straight Arrow Connector 26"/>
-          <p:cNvCxnSpPr>
-            <a:stCxn id="5" idx="2"/>
-          </p:cNvCxnSpPr>
-          <p:nvPr/>
-        </p:nvCxnSpPr>
-        <p:spPr>
-          <a:xfrm flipH="1">
-            <a:off x="4715246" y="1315361"/>
-            <a:ext cx="645893" cy="705543"/>
-          </a:xfrm>
-          <a:prstGeom prst="straightConnector1">
-            <a:avLst/>
-          </a:prstGeom>
-          <a:ln>
-            <a:tailEnd type="arrow"/>
-          </a:ln>
-        </p:spPr>
-        <p:style>
-          <a:lnRef idx="2">
-            <a:schemeClr val="dk1"/>
-          </a:lnRef>
-          <a:fillRef idx="0">
-            <a:schemeClr val="dk1"/>
-          </a:fillRef>
-          <a:effectRef idx="1">
-            <a:schemeClr val="dk1"/>
-          </a:effectRef>
-          <a:fontRef idx="minor">
-            <a:schemeClr val="tx1"/>
-          </a:fontRef>
-        </p:style>
-      </p:cxnSp>
-      <p:sp>
-        <p:nvSpPr>
           <p:cNvPr id="2" name="Rounded Rectangle 1"/>
           <p:cNvSpPr/>
           <p:nvPr/>
@@ -3579,18 +3469,108 @@
       </p:sp>
       <p:sp>
         <p:nvSpPr>
+          <p:cNvPr id="47" name="TextBox 46"/>
+          <p:cNvSpPr txBox="1"/>
+          <p:nvPr/>
+        </p:nvSpPr>
+        <p:spPr>
+          <a:xfrm>
+            <a:off x="2423320" y="2716535"/>
+            <a:ext cx="1033155" cy="338554"/>
+          </a:xfrm>
+          <a:prstGeom prst="rect">
+            <a:avLst/>
+          </a:prstGeom>
+          <a:noFill/>
+        </p:spPr>
+        <p:txBody>
+          <a:bodyPr wrap="none" rtlCol="0">
+            <a:spAutoFit/>
+          </a:bodyPr>
+          <a:lstStyle/>
+          <a:p>
+            <a:r>
+              <a:rPr lang="en-US" sz="1600" dirty="0" smtClean="0"/>
+              <a:t>Frontends</a:t>
+            </a:r>
+            <a:endParaRPr lang="fr-FR" sz="1600" dirty="0"/>
+          </a:p>
+        </p:txBody>
+      </p:sp>
+      <p:sp>
+        <p:nvSpPr>
+          <p:cNvPr id="3" name="Rectangle 2"/>
+          <p:cNvSpPr/>
+          <p:nvPr/>
+        </p:nvSpPr>
+        <p:spPr>
+          <a:xfrm>
+            <a:off x="1941572" y="5562317"/>
+            <a:ext cx="4729844" cy="467176"/>
+          </a:xfrm>
+          <a:prstGeom prst="rect">
+            <a:avLst/>
+          </a:prstGeom>
+          <a:noFill/>
+          <a:ln>
+            <a:solidFill>
+              <a:schemeClr val="tx1"/>
+            </a:solidFill>
+          </a:ln>
+          <a:effectLst/>
+        </p:spPr>
+        <p:style>
+          <a:lnRef idx="1">
+            <a:schemeClr val="accent1"/>
+          </a:lnRef>
+          <a:fillRef idx="3">
+            <a:schemeClr val="accent1"/>
+          </a:fillRef>
+          <a:effectRef idx="2">
+            <a:schemeClr val="accent1"/>
+          </a:effectRef>
+          <a:fontRef idx="minor">
+            <a:schemeClr val="lt1"/>
+          </a:fontRef>
+        </p:style>
+        <p:txBody>
+          <a:bodyPr rtlCol="0" anchor="ctr"/>
+          <a:lstStyle/>
+          <a:p>
+            <a:pPr algn="ctr"/>
+            <a:r>
+              <a:rPr lang="en-US" dirty="0" smtClean="0">
+                <a:solidFill>
+                  <a:schemeClr val="tx1"/>
+                </a:solidFill>
+              </a:rPr>
+              <a:t>Internet</a:t>
+            </a:r>
+            <a:endParaRPr lang="en-US" dirty="0">
+              <a:solidFill>
+                <a:schemeClr val="tx1"/>
+              </a:solidFill>
+            </a:endParaRPr>
+          </a:p>
+        </p:txBody>
+      </p:sp>
+      <p:sp>
+        <p:nvSpPr>
           <p:cNvPr id="44" name="Up-Down Arrow 43"/>
           <p:cNvSpPr/>
           <p:nvPr/>
         </p:nvSpPr>
         <p:spPr>
           <a:xfrm>
-            <a:off x="4225321" y="5209579"/>
-            <a:ext cx="321162" cy="671566"/>
+            <a:off x="4181631" y="5210575"/>
+            <a:ext cx="321162" cy="513329"/>
           </a:xfrm>
           <a:prstGeom prst="upDownArrow">
             <a:avLst/>
           </a:prstGeom>
+          <a:solidFill>
+            <a:schemeClr val="bg1"/>
+          </a:solidFill>
         </p:spPr>
         <p:style>
           <a:lnRef idx="2">
@@ -3615,36 +3595,80 @@
           </a:p>
         </p:txBody>
       </p:sp>
-      <p:sp>
-        <p:nvSpPr>
-          <p:cNvPr id="47" name="TextBox 46"/>
-          <p:cNvSpPr txBox="1"/>
+      <p:cxnSp>
+        <p:nvCxnSpPr>
+          <p:cNvPr id="10" name="Curved Connector 9"/>
+          <p:cNvCxnSpPr>
+            <a:endCxn id="6" idx="0"/>
+          </p:cNvCxnSpPr>
           <p:nvPr/>
-        </p:nvSpPr>
+        </p:nvCxnSpPr>
         <p:spPr>
           <a:xfrm>
-            <a:off x="2423320" y="2716535"/>
-            <a:ext cx="1033155" cy="338554"/>
+            <a:off x="3591178" y="1226337"/>
+            <a:ext cx="715316" cy="671567"/>
           </a:xfrm>
-          <a:prstGeom prst="rect">
+          <a:prstGeom prst="curvedConnector2">
             <a:avLst/>
           </a:prstGeom>
-          <a:noFill/>
+          <a:ln>
+            <a:solidFill>
+              <a:schemeClr val="tx1"/>
+            </a:solidFill>
+            <a:tailEnd type="arrow"/>
+          </a:ln>
         </p:spPr>
-        <p:txBody>
-          <a:bodyPr wrap="none" rtlCol="0">
-            <a:spAutoFit/>
-          </a:bodyPr>
-          <a:lstStyle/>
-          <a:p>
-            <a:r>
-              <a:rPr lang="en-US" sz="1600" dirty="0" smtClean="0"/>
-              <a:t>Frontends</a:t>
-            </a:r>
-            <a:endParaRPr lang="fr-FR" sz="1600" dirty="0"/>
-          </a:p>
-        </p:txBody>
-      </p:sp>
+        <p:style>
+          <a:lnRef idx="2">
+            <a:schemeClr val="accent1"/>
+          </a:lnRef>
+          <a:fillRef idx="0">
+            <a:schemeClr val="accent1"/>
+          </a:fillRef>
+          <a:effectRef idx="1">
+            <a:schemeClr val="accent1"/>
+          </a:effectRef>
+          <a:fontRef idx="minor">
+            <a:schemeClr val="tx1"/>
+          </a:fontRef>
+        </p:style>
+      </p:cxnSp>
+      <p:cxnSp>
+        <p:nvCxnSpPr>
+          <p:cNvPr id="21" name="Curved Connector 20"/>
+          <p:cNvCxnSpPr/>
+          <p:nvPr/>
+        </p:nvCxnSpPr>
+        <p:spPr>
+          <a:xfrm flipH="1">
+            <a:off x="4458894" y="1226337"/>
+            <a:ext cx="715316" cy="671567"/>
+          </a:xfrm>
+          <a:prstGeom prst="curvedConnector2">
+            <a:avLst/>
+          </a:prstGeom>
+          <a:ln>
+            <a:solidFill>
+              <a:schemeClr val="tx1"/>
+            </a:solidFill>
+            <a:tailEnd type="arrow"/>
+          </a:ln>
+        </p:spPr>
+        <p:style>
+          <a:lnRef idx="2">
+            <a:schemeClr val="accent1"/>
+          </a:lnRef>
+          <a:fillRef idx="0">
+            <a:schemeClr val="accent1"/>
+          </a:fillRef>
+          <a:effectRef idx="1">
+            <a:schemeClr val="accent1"/>
+          </a:effectRef>
+          <a:fontRef idx="minor">
+            <a:schemeClr val="tx1"/>
+          </a:fontRef>
+        </p:style>
+      </p:cxnSp>
     </p:spTree>
     <p:extLst>
       <p:ext uri="{BB962C8B-B14F-4D97-AF65-F5344CB8AC3E}">
